--- a/8. Overload/_8. Overload.pptx
+++ b/8. Overload/_8. Overload.pptx
@@ -200,7 +200,7 @@
           <a:p>
             <a:fld id="{7631E45C-F116-462B-8760-2078BF082F1A}" type="datetimeFigureOut">
               <a:rPr lang="ru-RU" smtClean="0"/>
-              <a:t>30.03.2023</a:t>
+              <a:t>04.04.2023</a:t>
             </a:fld>
             <a:endParaRPr lang="ru-RU"/>
           </a:p>
@@ -614,7 +614,7 @@
           <a:p>
             <a:fld id="{A9AD3FF1-1C77-4208-A728-6715B8BCAEC8}" type="datetime1">
               <a:rPr lang="ru-RU" smtClean="0"/>
-              <a:t>30.03.2023</a:t>
+              <a:t>04.04.2023</a:t>
             </a:fld>
             <a:endParaRPr lang="ru-RU"/>
           </a:p>
@@ -812,7 +812,7 @@
           <a:p>
             <a:fld id="{1C142B9A-2E56-4B99-A87C-1793C4E37C39}" type="datetime1">
               <a:rPr lang="ru-RU" smtClean="0"/>
-              <a:t>30.03.2023</a:t>
+              <a:t>04.04.2023</a:t>
             </a:fld>
             <a:endParaRPr lang="ru-RU"/>
           </a:p>
@@ -1020,7 +1020,7 @@
           <a:p>
             <a:fld id="{9E0ED007-B469-42B5-84D0-B2D8518EE6AF}" type="datetime1">
               <a:rPr lang="ru-RU" smtClean="0"/>
-              <a:t>30.03.2023</a:t>
+              <a:t>04.04.2023</a:t>
             </a:fld>
             <a:endParaRPr lang="ru-RU"/>
           </a:p>
@@ -1218,7 +1218,7 @@
           <a:p>
             <a:fld id="{C24A6B21-3CC2-4411-9ED7-28D4F07E6447}" type="datetime1">
               <a:rPr lang="ru-RU" smtClean="0"/>
-              <a:t>30.03.2023</a:t>
+              <a:t>04.04.2023</a:t>
             </a:fld>
             <a:endParaRPr lang="ru-RU"/>
           </a:p>
@@ -1493,7 +1493,7 @@
           <a:p>
             <a:fld id="{B56534DB-51AD-42E8-BAE2-9D524DF6969E}" type="datetime1">
               <a:rPr lang="ru-RU" smtClean="0"/>
-              <a:t>30.03.2023</a:t>
+              <a:t>04.04.2023</a:t>
             </a:fld>
             <a:endParaRPr lang="ru-RU"/>
           </a:p>
@@ -1758,7 +1758,7 @@
           <a:p>
             <a:fld id="{586E71E7-4231-4511-A286-4D8BAA3C5460}" type="datetime1">
               <a:rPr lang="ru-RU" smtClean="0"/>
-              <a:t>30.03.2023</a:t>
+              <a:t>04.04.2023</a:t>
             </a:fld>
             <a:endParaRPr lang="ru-RU"/>
           </a:p>
@@ -2170,7 +2170,7 @@
           <a:p>
             <a:fld id="{38907D2B-A495-4440-AD73-F377A1E57184}" type="datetime1">
               <a:rPr lang="ru-RU" smtClean="0"/>
-              <a:t>30.03.2023</a:t>
+              <a:t>04.04.2023</a:t>
             </a:fld>
             <a:endParaRPr lang="ru-RU"/>
           </a:p>
@@ -2311,7 +2311,7 @@
           <a:p>
             <a:fld id="{161FC52B-1D54-47AE-B2C9-575E5C19FE39}" type="datetime1">
               <a:rPr lang="ru-RU" smtClean="0"/>
-              <a:t>30.03.2023</a:t>
+              <a:t>04.04.2023</a:t>
             </a:fld>
             <a:endParaRPr lang="ru-RU"/>
           </a:p>
@@ -2424,7 +2424,7 @@
           <a:p>
             <a:fld id="{8832FC10-F7B7-4864-9033-3EC7976FDCB5}" type="datetime1">
               <a:rPr lang="ru-RU" smtClean="0"/>
-              <a:t>30.03.2023</a:t>
+              <a:t>04.04.2023</a:t>
             </a:fld>
             <a:endParaRPr lang="ru-RU"/>
           </a:p>
@@ -2735,7 +2735,7 @@
           <a:p>
             <a:fld id="{4C6FDB09-C334-42D1-A8CC-92BA43584AF5}" type="datetime1">
               <a:rPr lang="ru-RU" smtClean="0"/>
-              <a:t>30.03.2023</a:t>
+              <a:t>04.04.2023</a:t>
             </a:fld>
             <a:endParaRPr lang="ru-RU"/>
           </a:p>
@@ -3023,7 +3023,7 @@
           <a:p>
             <a:fld id="{5DA449B0-4AC4-4D56-AD1E-2E60E920D68F}" type="datetime1">
               <a:rPr lang="ru-RU" smtClean="0"/>
-              <a:t>30.03.2023</a:t>
+              <a:t>04.04.2023</a:t>
             </a:fld>
             <a:endParaRPr lang="ru-RU"/>
           </a:p>
@@ -3264,7 +3264,7 @@
           <a:p>
             <a:fld id="{6E39FA31-E67D-4DB0-8FD3-FD47DE2B0D1A}" type="datetime1">
               <a:rPr lang="ru-RU" smtClean="0"/>
-              <a:t>30.03.2023</a:t>
+              <a:t>04.04.2023</a:t>
             </a:fld>
             <a:endParaRPr lang="ru-RU"/>
           </a:p>
@@ -4065,6 +4065,21 @@
               </a:rPr>
               <a:t>	9. Классы. Конструктор, деструктор</a:t>
             </a:r>
+            <a:r>
+              <a:rPr lang="en-US" sz="2000">
+                <a:effectLst/>
+                <a:latin typeface="Calibri" panose="020F0502020204030204" pitchFamily="34" charset="0"/>
+                <a:ea typeface="Calibri" panose="020F0502020204030204" pitchFamily="34" charset="0"/>
+                <a:cs typeface="Times New Roman" panose="02020603050405020304" pitchFamily="18" charset="0"/>
+              </a:rPr>
+              <a:t>.</a:t>
+            </a:r>
+            <a:endParaRPr lang="ru-RU" sz="2000" dirty="0">
+              <a:effectLst/>
+              <a:latin typeface="Calibri" panose="020F0502020204030204" pitchFamily="34" charset="0"/>
+              <a:ea typeface="Calibri" panose="020F0502020204030204" pitchFamily="34" charset="0"/>
+              <a:cs typeface="Times New Roman" panose="02020603050405020304" pitchFamily="18" charset="0"/>
+            </a:endParaRPr>
           </a:p>
           <a:p>
             <a:pPr>
